--- a/extras/2019_09_04 todo eventos.pptx
+++ b/extras/2019_09_04 todo eventos.pptx
@@ -5,10 +5,12 @@
     <p:sldMasterId id="2147483648" r:id="rId1"/>
   </p:sldMasterIdLst>
   <p:sldIdLst>
-    <p:sldId id="256" r:id="rId2"/>
-    <p:sldId id="257" r:id="rId3"/>
-    <p:sldId id="258" r:id="rId4"/>
-    <p:sldId id="259" r:id="rId5"/>
+    <p:sldId id="257" r:id="rId2"/>
+    <p:sldId id="258" r:id="rId3"/>
+    <p:sldId id="259" r:id="rId4"/>
+    <p:sldId id="261" r:id="rId5"/>
+    <p:sldId id="262" r:id="rId6"/>
+    <p:sldId id="263" r:id="rId7"/>
   </p:sldIdLst>
   <p:sldSz cx="12192000" cy="6858000"/>
   <p:notesSz cx="6858000" cy="9144000"/>
@@ -107,6 +109,33 @@
       </a:defRPr>
     </a:lvl9pPr>
   </p:defaultTextStyle>
+  <p:extLst>
+    <p:ext uri="{521415D9-36F7-43E2-AB2F-B90AF26B5E84}">
+      <p14:sectionLst xmlns:p14="http://schemas.microsoft.com/office/powerpoint/2010/main">
+        <p14:section name="Colaborador pueda listar asistentes" id="{260ECD75-0E5D-0E4C-A222-D8A2ACB4F6BD}">
+          <p14:sldIdLst>
+            <p14:sldId id="257"/>
+            <p14:sldId id="258"/>
+            <p14:sldId id="259"/>
+          </p14:sldIdLst>
+        </p14:section>
+        <p14:section name="Colaborador pueda ver baucher" id="{5D5AB46C-9967-664E-9B8A-EF5C48050C08}">
+          <p14:sldIdLst>
+            <p14:sldId id="261"/>
+            <p14:sldId id="262"/>
+          </p14:sldIdLst>
+        </p14:section>
+        <p14:section name="No da informacion un sub evento" id="{23E1A1C6-8411-1941-8178-28AE88F73969}">
+          <p14:sldIdLst>
+            <p14:sldId id="263"/>
+          </p14:sldIdLst>
+        </p14:section>
+      </p14:sectionLst>
+    </p:ext>
+    <p:ext uri="{EFAFB233-063F-42B5-8137-9DF3F51BA10A}">
+      <p15:sldGuideLst xmlns:p15="http://schemas.microsoft.com/office/powerpoint/2012/main"/>
+    </p:ext>
+  </p:extLst>
 </p:presentation>
 </file>
 
@@ -3145,86 +3174,6 @@
           <p:cNvPr id="2" name="Título 1">
             <a:extLst>
               <a:ext uri="{FF2B5EF4-FFF2-40B4-BE49-F238E27FC236}">
-                <a16:creationId xmlns:a16="http://schemas.microsoft.com/office/drawing/2014/main" id="{399611E2-823E-AB42-B5B5-69D5FBFEA19F}"/>
-              </a:ext>
-            </a:extLst>
-          </p:cNvPr>
-          <p:cNvSpPr>
-            <a:spLocks noGrp="1"/>
-          </p:cNvSpPr>
-          <p:nvPr>
-            <p:ph type="ctrTitle"/>
-          </p:nvPr>
-        </p:nvSpPr>
-        <p:spPr/>
-        <p:txBody>
-          <a:bodyPr/>
-          <a:lstStyle/>
-          <a:p>
-            <a:endParaRPr lang="es-ES_tradnl"/>
-          </a:p>
-        </p:txBody>
-      </p:sp>
-      <p:sp>
-        <p:nvSpPr>
-          <p:cNvPr id="3" name="Subtítulo 2">
-            <a:extLst>
-              <a:ext uri="{FF2B5EF4-FFF2-40B4-BE49-F238E27FC236}">
-                <a16:creationId xmlns:a16="http://schemas.microsoft.com/office/drawing/2014/main" id="{7E665F7C-D0CB-5645-873B-71317CEA58E5}"/>
-              </a:ext>
-            </a:extLst>
-          </p:cNvPr>
-          <p:cNvSpPr>
-            <a:spLocks noGrp="1"/>
-          </p:cNvSpPr>
-          <p:nvPr>
-            <p:ph type="subTitle" idx="1"/>
-          </p:nvPr>
-        </p:nvSpPr>
-        <p:spPr/>
-        <p:txBody>
-          <a:bodyPr/>
-          <a:lstStyle/>
-          <a:p>
-            <a:endParaRPr lang="es-ES_tradnl"/>
-          </a:p>
-        </p:txBody>
-      </p:sp>
-    </p:spTree>
-    <p:extLst>
-      <p:ext uri="{BB962C8B-B14F-4D97-AF65-F5344CB8AC3E}">
-        <p14:creationId xmlns:p14="http://schemas.microsoft.com/office/powerpoint/2010/main" val="2723346096"/>
-      </p:ext>
-    </p:extLst>
-  </p:cSld>
-  <p:clrMapOvr>
-    <a:masterClrMapping/>
-  </p:clrMapOvr>
-</p:sld>
-</file>
-
-<file path=ppt/slides/slide2.xml><?xml version="1.0" encoding="utf-8"?>
-<p:sld xmlns:a="http://schemas.openxmlformats.org/drawingml/2006/main" xmlns:r="http://schemas.openxmlformats.org/officeDocument/2006/relationships" xmlns:p="http://schemas.openxmlformats.org/presentationml/2006/main">
-  <p:cSld>
-    <p:spTree>
-      <p:nvGrpSpPr>
-        <p:cNvPr id="1" name=""/>
-        <p:cNvGrpSpPr/>
-        <p:nvPr/>
-      </p:nvGrpSpPr>
-      <p:grpSpPr>
-        <a:xfrm>
-          <a:off x="0" y="0"/>
-          <a:ext cx="0" cy="0"/>
-          <a:chOff x="0" y="0"/>
-          <a:chExt cx="0" cy="0"/>
-        </a:xfrm>
-      </p:grpSpPr>
-      <p:sp>
-        <p:nvSpPr>
-          <p:cNvPr id="2" name="Título 1">
-            <a:extLst>
-              <a:ext uri="{FF2B5EF4-FFF2-40B4-BE49-F238E27FC236}">
                 <a16:creationId xmlns:a16="http://schemas.microsoft.com/office/drawing/2014/main" id="{F18781E9-4075-904B-ABC7-427E25B93030}"/>
               </a:ext>
             </a:extLst>
@@ -3248,38 +3197,31 @@
           </a:p>
         </p:txBody>
       </p:sp>
-      <p:pic>
-        <p:nvPicPr>
-          <p:cNvPr id="4" name="Marcador de contenido 3">
-            <a:extLst>
-              <a:ext uri="{FF2B5EF4-FFF2-40B4-BE49-F238E27FC236}">
-                <a16:creationId xmlns:a16="http://schemas.microsoft.com/office/drawing/2014/main" id="{F6C2738F-66FF-EC41-B3DE-FE2BE61B1ADC}"/>
-              </a:ext>
-            </a:extLst>
-          </p:cNvPr>
-          <p:cNvPicPr>
-            <a:picLocks noGrp="1" noChangeAspect="1"/>
-          </p:cNvPicPr>
+      <p:sp>
+        <p:nvSpPr>
+          <p:cNvPr id="5" name="Marcador de contenido 4">
+            <a:extLst>
+              <a:ext uri="{FF2B5EF4-FFF2-40B4-BE49-F238E27FC236}">
+                <a16:creationId xmlns:a16="http://schemas.microsoft.com/office/drawing/2014/main" id="{9436DDDE-DC4D-E547-9BC3-76DCBAA07164}"/>
+              </a:ext>
+            </a:extLst>
+          </p:cNvPr>
+          <p:cNvSpPr>
+            <a:spLocks noGrp="1"/>
+          </p:cNvSpPr>
           <p:nvPr>
             <p:ph idx="1"/>
           </p:nvPr>
-        </p:nvPicPr>
-        <p:blipFill>
-          <a:blip r:embed="rId2"/>
-          <a:stretch>
-            <a:fillRect/>
-          </a:stretch>
-        </p:blipFill>
-        <p:spPr>
-          <a:xfrm>
-            <a:off x="2206414" y="1825625"/>
-            <a:ext cx="7779171" cy="4351338"/>
-          </a:xfrm>
-          <a:prstGeom prst="rect">
-            <a:avLst/>
-          </a:prstGeom>
-        </p:spPr>
-      </p:pic>
+        </p:nvSpPr>
+        <p:spPr/>
+        <p:txBody>
+          <a:bodyPr/>
+          <a:lstStyle/>
+          <a:p>
+            <a:endParaRPr lang="es-ES_tradnl"/>
+          </a:p>
+        </p:txBody>
+      </p:sp>
     </p:spTree>
     <p:extLst>
       <p:ext uri="{BB962C8B-B14F-4D97-AF65-F5344CB8AC3E}">
@@ -3293,7 +3235,7 @@
 </p:sld>
 </file>
 
-<file path=ppt/slides/slide3.xml><?xml version="1.0" encoding="utf-8"?>
+<file path=ppt/slides/slide2.xml><?xml version="1.0" encoding="utf-8"?>
 <p:sld xmlns:a="http://schemas.openxmlformats.org/drawingml/2006/main" xmlns:r="http://schemas.openxmlformats.org/officeDocument/2006/relationships" xmlns:p="http://schemas.openxmlformats.org/presentationml/2006/main">
   <p:cSld>
     <p:spTree>
@@ -3383,7 +3325,7 @@
 </p:sld>
 </file>
 
-<file path=ppt/slides/slide4.xml><?xml version="1.0" encoding="utf-8"?>
+<file path=ppt/slides/slide3.xml><?xml version="1.0" encoding="utf-8"?>
 <p:sld xmlns:a="http://schemas.openxmlformats.org/drawingml/2006/main" xmlns:r="http://schemas.openxmlformats.org/officeDocument/2006/relationships" xmlns:p="http://schemas.openxmlformats.org/presentationml/2006/main">
   <p:cSld>
     <p:spTree>
@@ -3464,6 +3406,329 @@
     <p:extLst>
       <p:ext uri="{BB962C8B-B14F-4D97-AF65-F5344CB8AC3E}">
         <p14:creationId xmlns:p14="http://schemas.microsoft.com/office/powerpoint/2010/main" val="2193005576"/>
+      </p:ext>
+    </p:extLst>
+  </p:cSld>
+  <p:clrMapOvr>
+    <a:masterClrMapping/>
+  </p:clrMapOvr>
+</p:sld>
+</file>
+
+<file path=ppt/slides/slide4.xml><?xml version="1.0" encoding="utf-8"?>
+<p:sld xmlns:a="http://schemas.openxmlformats.org/drawingml/2006/main" xmlns:r="http://schemas.openxmlformats.org/officeDocument/2006/relationships" xmlns:p="http://schemas.openxmlformats.org/presentationml/2006/main">
+  <p:cSld>
+    <p:spTree>
+      <p:nvGrpSpPr>
+        <p:cNvPr id="1" name=""/>
+        <p:cNvGrpSpPr/>
+        <p:nvPr/>
+      </p:nvGrpSpPr>
+      <p:grpSpPr>
+        <a:xfrm>
+          <a:off x="0" y="0"/>
+          <a:ext cx="0" cy="0"/>
+          <a:chOff x="0" y="0"/>
+          <a:chExt cx="0" cy="0"/>
+        </a:xfrm>
+      </p:grpSpPr>
+      <p:sp>
+        <p:nvSpPr>
+          <p:cNvPr id="2" name="Título 1">
+            <a:extLst>
+              <a:ext uri="{FF2B5EF4-FFF2-40B4-BE49-F238E27FC236}">
+                <a16:creationId xmlns:a16="http://schemas.microsoft.com/office/drawing/2014/main" id="{8E2D685B-B37C-CA4E-82DA-CF5E9CD655FB}"/>
+              </a:ext>
+            </a:extLst>
+          </p:cNvPr>
+          <p:cNvSpPr>
+            <a:spLocks noGrp="1"/>
+          </p:cNvSpPr>
+          <p:nvPr>
+            <p:ph type="title"/>
+          </p:nvPr>
+        </p:nvSpPr>
+        <p:spPr/>
+        <p:txBody>
+          <a:bodyPr/>
+          <a:lstStyle/>
+          <a:p>
+            <a:r>
+              <a:rPr lang="es-ES_tradnl" dirty="0"/>
+              <a:t>Como lo ve el organizador</a:t>
+            </a:r>
+          </a:p>
+        </p:txBody>
+      </p:sp>
+      <p:pic>
+        <p:nvPicPr>
+          <p:cNvPr id="6" name="Marcador de contenido 5">
+            <a:extLst>
+              <a:ext uri="{FF2B5EF4-FFF2-40B4-BE49-F238E27FC236}">
+                <a16:creationId xmlns:a16="http://schemas.microsoft.com/office/drawing/2014/main" id="{48F700FF-CE17-5A4C-85F5-74B70DD86AD9}"/>
+              </a:ext>
+            </a:extLst>
+          </p:cNvPr>
+          <p:cNvPicPr>
+            <a:picLocks noGrp="1" noChangeAspect="1"/>
+          </p:cNvPicPr>
+          <p:nvPr>
+            <p:ph idx="1"/>
+          </p:nvPr>
+        </p:nvPicPr>
+        <p:blipFill>
+          <a:blip r:embed="rId2"/>
+          <a:stretch>
+            <a:fillRect/>
+          </a:stretch>
+        </p:blipFill>
+        <p:spPr>
+          <a:xfrm>
+            <a:off x="2614930" y="1825625"/>
+            <a:ext cx="6962140" cy="4351338"/>
+          </a:xfrm>
+          <a:prstGeom prst="rect">
+            <a:avLst/>
+          </a:prstGeom>
+        </p:spPr>
+      </p:pic>
+    </p:spTree>
+    <p:extLst>
+      <p:ext uri="{BB962C8B-B14F-4D97-AF65-F5344CB8AC3E}">
+        <p14:creationId xmlns:p14="http://schemas.microsoft.com/office/powerpoint/2010/main" val="2492084682"/>
+      </p:ext>
+    </p:extLst>
+  </p:cSld>
+  <p:clrMapOvr>
+    <a:masterClrMapping/>
+  </p:clrMapOvr>
+</p:sld>
+</file>
+
+<file path=ppt/slides/slide5.xml><?xml version="1.0" encoding="utf-8"?>
+<p:sld xmlns:a="http://schemas.openxmlformats.org/drawingml/2006/main" xmlns:r="http://schemas.openxmlformats.org/officeDocument/2006/relationships" xmlns:p="http://schemas.openxmlformats.org/presentationml/2006/main">
+  <p:cSld>
+    <p:spTree>
+      <p:nvGrpSpPr>
+        <p:cNvPr id="1" name=""/>
+        <p:cNvGrpSpPr/>
+        <p:nvPr/>
+      </p:nvGrpSpPr>
+      <p:grpSpPr>
+        <a:xfrm>
+          <a:off x="0" y="0"/>
+          <a:ext cx="0" cy="0"/>
+          <a:chOff x="0" y="0"/>
+          <a:chExt cx="0" cy="0"/>
+        </a:xfrm>
+      </p:grpSpPr>
+      <p:sp>
+        <p:nvSpPr>
+          <p:cNvPr id="2" name="Título 1">
+            <a:extLst>
+              <a:ext uri="{FF2B5EF4-FFF2-40B4-BE49-F238E27FC236}">
+                <a16:creationId xmlns:a16="http://schemas.microsoft.com/office/drawing/2014/main" id="{532DB777-D7AF-A744-8C30-6B0A0AC7ED26}"/>
+              </a:ext>
+            </a:extLst>
+          </p:cNvPr>
+          <p:cNvSpPr>
+            <a:spLocks noGrp="1"/>
+          </p:cNvSpPr>
+          <p:nvPr>
+            <p:ph type="title"/>
+          </p:nvPr>
+        </p:nvSpPr>
+        <p:spPr/>
+        <p:txBody>
+          <a:bodyPr/>
+          <a:lstStyle/>
+          <a:p>
+            <a:r>
+              <a:rPr lang="es-ES_tradnl" dirty="0"/>
+              <a:t>Como lo ve un colaborador</a:t>
+            </a:r>
+          </a:p>
+        </p:txBody>
+      </p:sp>
+      <p:sp>
+        <p:nvSpPr>
+          <p:cNvPr id="5" name="Marcador de contenido 4">
+            <a:extLst>
+              <a:ext uri="{FF2B5EF4-FFF2-40B4-BE49-F238E27FC236}">
+                <a16:creationId xmlns:a16="http://schemas.microsoft.com/office/drawing/2014/main" id="{DF2692D3-D3EB-3E48-9FB7-C12927B42F4E}"/>
+              </a:ext>
+            </a:extLst>
+          </p:cNvPr>
+          <p:cNvSpPr>
+            <a:spLocks noGrp="1"/>
+          </p:cNvSpPr>
+          <p:nvPr>
+            <p:ph idx="1"/>
+          </p:nvPr>
+        </p:nvSpPr>
+        <p:spPr/>
+        <p:txBody>
+          <a:bodyPr/>
+          <a:lstStyle/>
+          <a:p>
+            <a:endParaRPr lang="es-ES_tradnl" dirty="0"/>
+          </a:p>
+        </p:txBody>
+      </p:sp>
+    </p:spTree>
+    <p:extLst>
+      <p:ext uri="{BB962C8B-B14F-4D97-AF65-F5344CB8AC3E}">
+        <p14:creationId xmlns:p14="http://schemas.microsoft.com/office/powerpoint/2010/main" val="1855034581"/>
+      </p:ext>
+    </p:extLst>
+  </p:cSld>
+  <p:clrMapOvr>
+    <a:masterClrMapping/>
+  </p:clrMapOvr>
+</p:sld>
+</file>
+
+<file path=ppt/slides/slide6.xml><?xml version="1.0" encoding="utf-8"?>
+<p:sld xmlns:a="http://schemas.openxmlformats.org/drawingml/2006/main" xmlns:r="http://schemas.openxmlformats.org/officeDocument/2006/relationships" xmlns:p="http://schemas.openxmlformats.org/presentationml/2006/main">
+  <p:cSld>
+    <p:spTree>
+      <p:nvGrpSpPr>
+        <p:cNvPr id="1" name=""/>
+        <p:cNvGrpSpPr/>
+        <p:nvPr/>
+      </p:nvGrpSpPr>
+      <p:grpSpPr>
+        <a:xfrm>
+          <a:off x="0" y="0"/>
+          <a:ext cx="0" cy="0"/>
+          <a:chOff x="0" y="0"/>
+          <a:chExt cx="0" cy="0"/>
+        </a:xfrm>
+      </p:grpSpPr>
+      <p:sp>
+        <p:nvSpPr>
+          <p:cNvPr id="2" name="Título 1">
+            <a:extLst>
+              <a:ext uri="{FF2B5EF4-FFF2-40B4-BE49-F238E27FC236}">
+                <a16:creationId xmlns:a16="http://schemas.microsoft.com/office/drawing/2014/main" id="{7C508769-B9E4-3F4D-B20A-338095E91DEC}"/>
+              </a:ext>
+            </a:extLst>
+          </p:cNvPr>
+          <p:cNvSpPr>
+            <a:spLocks noGrp="1"/>
+          </p:cNvSpPr>
+          <p:nvPr>
+            <p:ph type="title"/>
+          </p:nvPr>
+        </p:nvSpPr>
+        <p:spPr/>
+        <p:txBody>
+          <a:bodyPr/>
+          <a:lstStyle/>
+          <a:p>
+            <a:r>
+              <a:rPr lang="es-ES_tradnl" dirty="0"/>
+              <a:t>Como anónimo</a:t>
+            </a:r>
+          </a:p>
+        </p:txBody>
+      </p:sp>
+      <p:pic>
+        <p:nvPicPr>
+          <p:cNvPr id="4" name="Marcador de contenido 3">
+            <a:extLst>
+              <a:ext uri="{FF2B5EF4-FFF2-40B4-BE49-F238E27FC236}">
+                <a16:creationId xmlns:a16="http://schemas.microsoft.com/office/drawing/2014/main" id="{C041C075-2327-A642-8B2D-333589F4D7B0}"/>
+              </a:ext>
+            </a:extLst>
+          </p:cNvPr>
+          <p:cNvPicPr>
+            <a:picLocks noGrp="1" noChangeAspect="1"/>
+          </p:cNvPicPr>
+          <p:nvPr>
+            <p:ph sz="half" idx="2"/>
+          </p:nvPr>
+        </p:nvPicPr>
+        <p:blipFill>
+          <a:blip r:embed="rId2"/>
+          <a:stretch>
+            <a:fillRect/>
+          </a:stretch>
+        </p:blipFill>
+        <p:spPr>
+          <a:xfrm>
+            <a:off x="839788" y="2735561"/>
+            <a:ext cx="5157787" cy="3223616"/>
+          </a:xfrm>
+          <a:prstGeom prst="rect">
+            <a:avLst/>
+          </a:prstGeom>
+        </p:spPr>
+      </p:pic>
+      <p:sp>
+        <p:nvSpPr>
+          <p:cNvPr id="8" name="Marcador de texto 7">
+            <a:extLst>
+              <a:ext uri="{FF2B5EF4-FFF2-40B4-BE49-F238E27FC236}">
+                <a16:creationId xmlns:a16="http://schemas.microsoft.com/office/drawing/2014/main" id="{295BDA82-2B67-8F49-9007-54AAAC59A434}"/>
+              </a:ext>
+            </a:extLst>
+          </p:cNvPr>
+          <p:cNvSpPr>
+            <a:spLocks noGrp="1"/>
+          </p:cNvSpPr>
+          <p:nvPr>
+            <p:ph type="body" sz="quarter" idx="3"/>
+          </p:nvPr>
+        </p:nvSpPr>
+        <p:spPr/>
+        <p:txBody>
+          <a:bodyPr/>
+          <a:lstStyle/>
+          <a:p>
+            <a:r>
+              <a:rPr lang="es-ES_tradnl" dirty="0"/>
+              <a:t>Solo el de en medio</a:t>
+            </a:r>
+          </a:p>
+        </p:txBody>
+      </p:sp>
+      <p:pic>
+        <p:nvPicPr>
+          <p:cNvPr id="6" name="Marcador de contenido 5">
+            <a:extLst>
+              <a:ext uri="{FF2B5EF4-FFF2-40B4-BE49-F238E27FC236}">
+                <a16:creationId xmlns:a16="http://schemas.microsoft.com/office/drawing/2014/main" id="{BB261CF4-A7F1-8843-BDE2-855D0FD18FCC}"/>
+              </a:ext>
+            </a:extLst>
+          </p:cNvPr>
+          <p:cNvPicPr>
+            <a:picLocks noGrp="1" noChangeAspect="1"/>
+          </p:cNvPicPr>
+          <p:nvPr>
+            <p:ph sz="quarter" idx="4"/>
+          </p:nvPr>
+        </p:nvPicPr>
+        <p:blipFill>
+          <a:blip r:embed="rId3"/>
+          <a:stretch>
+            <a:fillRect/>
+          </a:stretch>
+        </p:blipFill>
+        <p:spPr>
+          <a:xfrm>
+            <a:off x="6172200" y="2727623"/>
+            <a:ext cx="5183188" cy="3239492"/>
+          </a:xfrm>
+          <a:prstGeom prst="rect">
+            <a:avLst/>
+          </a:prstGeom>
+        </p:spPr>
+      </p:pic>
+    </p:spTree>
+    <p:extLst>
+      <p:ext uri="{BB962C8B-B14F-4D97-AF65-F5344CB8AC3E}">
+        <p14:creationId xmlns:p14="http://schemas.microsoft.com/office/powerpoint/2010/main" val="1380766768"/>
       </p:ext>
     </p:extLst>
   </p:cSld>
